--- a/secondProject/DocsIntegracion/Rastregames.pptx
+++ b/secondProject/DocsIntegracion/Rastregames.pptx
@@ -5,10 +5,10 @@
     <p:sldMasterId id="2147483744" r:id="rId4"/>
   </p:sldMasterIdLst>
   <p:notesMasterIdLst>
-    <p:notesMasterId r:id="rId12"/>
+    <p:notesMasterId r:id="rId11"/>
   </p:notesMasterIdLst>
   <p:handoutMasterIdLst>
-    <p:handoutMasterId r:id="rId13"/>
+    <p:handoutMasterId r:id="rId12"/>
   </p:handoutMasterIdLst>
   <p:sldIdLst>
     <p:sldId id="256" r:id="rId5"/>
@@ -16,8 +16,7 @@
     <p:sldId id="277" r:id="rId7"/>
     <p:sldId id="279" r:id="rId8"/>
     <p:sldId id="278" r:id="rId9"/>
-    <p:sldId id="280" r:id="rId10"/>
-    <p:sldId id="274" r:id="rId11"/>
+    <p:sldId id="274" r:id="rId10"/>
   </p:sldIdLst>
   <p:sldSz cx="12192000" cy="6858000"/>
   <p:notesSz cx="6858000" cy="9144000"/>
@@ -165,7 +164,7 @@
           <p:cNvPr id="2" name="Marcador de encabezado 1">
             <a:extLst>
               <a:ext uri="{FF2B5EF4-FFF2-40B4-BE49-F238E27FC236}">
-                <a16:creationId xmlns:a16="http://schemas.microsoft.com/office/drawing/2014/main" xmlns="" id="{B6644415-FF73-4635-A828-1BF64C3E25C2}"/>
+                <a16:creationId xmlns:a16="http://schemas.microsoft.com/office/drawing/2014/main" id="{B6644415-FF73-4635-A828-1BF64C3E25C2}"/>
               </a:ext>
             </a:extLst>
           </p:cNvPr>
@@ -202,7 +201,7 @@
           <p:cNvPr id="3" name="Marcador de fecha 2">
             <a:extLst>
               <a:ext uri="{FF2B5EF4-FFF2-40B4-BE49-F238E27FC236}">
-                <a16:creationId xmlns:a16="http://schemas.microsoft.com/office/drawing/2014/main" xmlns="" id="{467CFC73-7BBD-42E6-B4E0-AEA52F19C35C}"/>
+                <a16:creationId xmlns:a16="http://schemas.microsoft.com/office/drawing/2014/main" id="{467CFC73-7BBD-42E6-B4E0-AEA52F19C35C}"/>
               </a:ext>
             </a:extLst>
           </p:cNvPr>
@@ -243,7 +242,7 @@
           <p:cNvPr id="4" name="Marcador de pie de página 3">
             <a:extLst>
               <a:ext uri="{FF2B5EF4-FFF2-40B4-BE49-F238E27FC236}">
-                <a16:creationId xmlns:a16="http://schemas.microsoft.com/office/drawing/2014/main" xmlns="" id="{11AABD9E-C2C8-4ECD-A749-AED2FF3758DF}"/>
+                <a16:creationId xmlns:a16="http://schemas.microsoft.com/office/drawing/2014/main" id="{11AABD9E-C2C8-4ECD-A749-AED2FF3758DF}"/>
               </a:ext>
             </a:extLst>
           </p:cNvPr>
@@ -280,7 +279,7 @@
           <p:cNvPr id="5" name="Marcador de número de diapositiva 4">
             <a:extLst>
               <a:ext uri="{FF2B5EF4-FFF2-40B4-BE49-F238E27FC236}">
-                <a16:creationId xmlns:a16="http://schemas.microsoft.com/office/drawing/2014/main" xmlns="" id="{CCD0331F-25B6-4FCB-92B1-E19A50AE74E8}"/>
+                <a16:creationId xmlns:a16="http://schemas.microsoft.com/office/drawing/2014/main" id="{CCD0331F-25B6-4FCB-92B1-E19A50AE74E8}"/>
               </a:ext>
             </a:extLst>
           </p:cNvPr>
@@ -825,7 +824,7 @@
           <a:p>
             <a:fld id="{298DB6BF-749A-44FF-AB9C-8B6FD44EF3AF}" type="slidenum">
               <a:rPr lang="es-ES" smtClean="0"/>
-              <a:t>7</a:t>
+              <a:t>6</a:t>
             </a:fld>
             <a:endParaRPr lang="es-ES"/>
           </a:p>
@@ -926,10 +925,9 @@
           <a:p>
             <a:pPr rtl="0"/>
             <a:r>
-              <a:rPr lang="es-ES" noProof="0" smtClean="0"/>
+              <a:rPr lang="es-ES" noProof="0"/>
               <a:t>Haga clic para modificar el estilo de título del patrón</a:t>
             </a:r>
-            <a:endParaRPr lang="es-ES" noProof="0"/>
           </a:p>
         </p:txBody>
       </p:sp>
@@ -1224,10 +1222,9 @@
           <a:p>
             <a:pPr rtl="0"/>
             <a:r>
-              <a:rPr lang="es-ES" noProof="0" smtClean="0"/>
+              <a:rPr lang="es-ES" noProof="0"/>
               <a:t>Haga clic para modificar el estilo de título del patrón</a:t>
             </a:r>
-            <a:endParaRPr lang="es-ES" noProof="0"/>
           </a:p>
         </p:txBody>
       </p:sp>
@@ -1323,10 +1320,9 @@
           <a:p>
             <a:pPr rtl="0"/>
             <a:r>
-              <a:rPr lang="es-ES" noProof="0" smtClean="0"/>
+              <a:rPr lang="es-ES" noProof="0"/>
               <a:t>Haga clic en el icono para agregar una imagen</a:t>
             </a:r>
-            <a:endParaRPr lang="es-ES" noProof="0"/>
           </a:p>
         </p:txBody>
       </p:sp>
@@ -1554,10 +1550,9 @@
           <a:p>
             <a:pPr rtl="0"/>
             <a:r>
-              <a:rPr lang="es-ES" noProof="0" smtClean="0"/>
+              <a:rPr lang="es-ES" noProof="0"/>
               <a:t>Haga clic para modificar el estilo de título del patrón</a:t>
             </a:r>
-            <a:endParaRPr lang="es-ES" noProof="0"/>
           </a:p>
         </p:txBody>
       </p:sp>
@@ -2073,10 +2068,9 @@
           <a:p>
             <a:pPr rtl="0"/>
             <a:r>
-              <a:rPr lang="es-ES" noProof="0" smtClean="0"/>
+              <a:rPr lang="es-ES" noProof="0"/>
               <a:t>Haga clic para modificar el estilo de título del patrón</a:t>
             </a:r>
-            <a:endParaRPr lang="es-ES" noProof="0"/>
           </a:p>
         </p:txBody>
       </p:sp>
@@ -2410,10 +2404,9 @@
           <a:p>
             <a:pPr rtl="0"/>
             <a:r>
-              <a:rPr lang="es-ES" noProof="0" smtClean="0"/>
+              <a:rPr lang="es-ES" noProof="0"/>
               <a:t>Haga clic para modificar el estilo de título del patrón</a:t>
             </a:r>
-            <a:endParaRPr lang="es-ES" noProof="0"/>
           </a:p>
         </p:txBody>
       </p:sp>
@@ -2929,10 +2922,9 @@
           <a:p>
             <a:pPr rtl="0"/>
             <a:r>
-              <a:rPr lang="es-ES" noProof="0" smtClean="0"/>
+              <a:rPr lang="es-ES" noProof="0"/>
               <a:t>Haga clic para modificar el estilo de título del patrón</a:t>
             </a:r>
-            <a:endParaRPr lang="es-ES" noProof="0"/>
           </a:p>
         </p:txBody>
       </p:sp>
@@ -3260,10 +3252,9 @@
           <a:p>
             <a:pPr marL="0" lvl="0" rtl="0"/>
             <a:r>
-              <a:rPr lang="es-ES" noProof="0" smtClean="0"/>
+              <a:rPr lang="es-ES" noProof="0"/>
               <a:t>Haga clic para modificar el estilo de título del patrón</a:t>
             </a:r>
-            <a:endParaRPr lang="es-ES" noProof="0"/>
           </a:p>
         </p:txBody>
       </p:sp>
@@ -3585,10 +3576,9 @@
           <a:p>
             <a:pPr rtl="0"/>
             <a:r>
-              <a:rPr lang="es-ES" noProof="0" smtClean="0"/>
+              <a:rPr lang="es-ES" noProof="0"/>
               <a:t>Haga clic para modificar el estilo de título del patrón</a:t>
             </a:r>
-            <a:endParaRPr lang="es-ES" noProof="0"/>
           </a:p>
         </p:txBody>
       </p:sp>
@@ -3793,10 +3783,9 @@
           <a:p>
             <a:pPr rtl="0"/>
             <a:r>
-              <a:rPr lang="es-ES" noProof="0" smtClean="0"/>
+              <a:rPr lang="es-ES" noProof="0"/>
               <a:t>Haga clic para modificar el estilo de título del patrón</a:t>
             </a:r>
-            <a:endParaRPr lang="es-ES" noProof="0"/>
           </a:p>
         </p:txBody>
       </p:sp>
@@ -4001,10 +3990,9 @@
           <a:p>
             <a:pPr rtl="0"/>
             <a:r>
-              <a:rPr lang="es-ES" noProof="0" smtClean="0"/>
+              <a:rPr lang="es-ES" noProof="0"/>
               <a:t>Haga clic para modificar el estilo de título del patrón</a:t>
             </a:r>
-            <a:endParaRPr lang="es-ES" noProof="0"/>
           </a:p>
         </p:txBody>
       </p:sp>
@@ -4213,10 +4201,9 @@
           <a:p>
             <a:pPr rtl="0"/>
             <a:r>
-              <a:rPr lang="es-ES" noProof="0" smtClean="0"/>
+              <a:rPr lang="es-ES" noProof="0"/>
               <a:t>Haga clic para modificar el estilo de título del patrón</a:t>
             </a:r>
-            <a:endParaRPr lang="es-ES" noProof="0"/>
           </a:p>
         </p:txBody>
       </p:sp>
@@ -4485,10 +4472,9 @@
           <a:p>
             <a:pPr rtl="0"/>
             <a:r>
-              <a:rPr lang="es-ES" noProof="0" smtClean="0"/>
+              <a:rPr lang="es-ES" noProof="0"/>
               <a:t>Haga clic para modificar el estilo de título del patrón</a:t>
             </a:r>
-            <a:endParaRPr lang="es-ES" noProof="0"/>
           </a:p>
         </p:txBody>
       </p:sp>
@@ -4727,10 +4713,9 @@
           <a:p>
             <a:pPr rtl="0"/>
             <a:r>
-              <a:rPr lang="es-ES" noProof="0" smtClean="0"/>
+              <a:rPr lang="es-ES" noProof="0"/>
               <a:t>Haga clic para modificar el estilo de título del patrón</a:t>
             </a:r>
-            <a:endParaRPr lang="es-ES" noProof="0"/>
           </a:p>
         </p:txBody>
       </p:sp>
@@ -5129,10 +5114,9 @@
           <a:p>
             <a:pPr rtl="0"/>
             <a:r>
-              <a:rPr lang="es-ES" noProof="0" smtClean="0"/>
+              <a:rPr lang="es-ES" noProof="0"/>
               <a:t>Haga clic para modificar el estilo de título del patrón</a:t>
             </a:r>
-            <a:endParaRPr lang="es-ES" noProof="0"/>
           </a:p>
         </p:txBody>
       </p:sp>
@@ -5420,10 +5404,9 @@
           <a:p>
             <a:pPr rtl="0"/>
             <a:r>
-              <a:rPr lang="es-ES" noProof="0" smtClean="0"/>
+              <a:rPr lang="es-ES" noProof="0"/>
               <a:t>Haga clic para modificar el estilo de título del patrón</a:t>
             </a:r>
-            <a:endParaRPr lang="es-ES" noProof="0"/>
           </a:p>
         </p:txBody>
       </p:sp>
@@ -5709,10 +5692,9 @@
           <a:p>
             <a:pPr rtl="0"/>
             <a:r>
-              <a:rPr lang="es-ES" noProof="0" smtClean="0"/>
+              <a:rPr lang="es-ES" noProof="0"/>
               <a:t>Haga clic para modificar el estilo de título del patrón</a:t>
             </a:r>
-            <a:endParaRPr lang="es-ES" noProof="0"/>
           </a:p>
         </p:txBody>
       </p:sp>
@@ -5808,10 +5790,9 @@
           <a:p>
             <a:pPr rtl="0"/>
             <a:r>
-              <a:rPr lang="es-ES" noProof="0" smtClean="0"/>
+              <a:rPr lang="es-ES" noProof="0"/>
               <a:t>Haga clic en el icono para agregar una imagen</a:t>
             </a:r>
-            <a:endParaRPr lang="es-ES" noProof="0"/>
           </a:p>
         </p:txBody>
       </p:sp>
@@ -6614,7 +6595,7 @@
       </a:lvl9pPr>
     </p:otherStyle>
   </p:txStyles>
-  <p:extLst mod="1">
+  <p:extLst>
     <p:ext uri="{27BBF7A9-308A-43DC-89C8-2F10F3537804}">
       <p15:sldGuideLst xmlns:p15="http://schemas.microsoft.com/office/powerpoint/2012/main"/>
     </p:ext>
@@ -6644,7 +6625,7 @@
           <p:cNvPr id="5" name="Imagen 4" descr="cielo nocturno con montañas a lo lejos en el horizonte">
             <a:extLst>
               <a:ext uri="{FF2B5EF4-FFF2-40B4-BE49-F238E27FC236}">
-                <a16:creationId xmlns:a16="http://schemas.microsoft.com/office/drawing/2014/main" xmlns="" id="{7C454B0C-0819-4D56-9275-BCE254DA659D}"/>
+                <a16:creationId xmlns:a16="http://schemas.microsoft.com/office/drawing/2014/main" id="{7C454B0C-0819-4D56-9275-BCE254DA659D}"/>
               </a:ext>
             </a:extLst>
           </p:cNvPr>
@@ -6680,7 +6661,7 @@
           <p:cNvPr id="2" name="Título 1">
             <a:extLst>
               <a:ext uri="{FF2B5EF4-FFF2-40B4-BE49-F238E27FC236}">
-                <a16:creationId xmlns:a16="http://schemas.microsoft.com/office/drawing/2014/main" xmlns="" id="{340C7600-5BA8-4A54-887F-74AF87750A31}"/>
+                <a16:creationId xmlns:a16="http://schemas.microsoft.com/office/drawing/2014/main" id="{340C7600-5BA8-4A54-887F-74AF87750A31}"/>
               </a:ext>
             </a:extLst>
           </p:cNvPr>
@@ -6704,7 +6685,7 @@
           <a:lstStyle/>
           <a:p>
             <a:r>
-              <a:rPr lang="es-ES" sz="7200" b="1" dirty="0" err="1" smtClean="0"/>
+              <a:rPr lang="es-ES" sz="7200" b="1" dirty="0" err="1"/>
               <a:t>Rastregames</a:t>
             </a:r>
             <a:endParaRPr lang="es-ES" sz="7200" b="1" dirty="0"/>
@@ -6716,7 +6697,7 @@
           <p:cNvPr id="3" name="Subtítulo 2">
             <a:extLst>
               <a:ext uri="{FF2B5EF4-FFF2-40B4-BE49-F238E27FC236}">
-                <a16:creationId xmlns:a16="http://schemas.microsoft.com/office/drawing/2014/main" xmlns="" id="{AE584786-6548-4BB4-95FD-977AD1F362C6}"/>
+                <a16:creationId xmlns:a16="http://schemas.microsoft.com/office/drawing/2014/main" id="{AE584786-6548-4BB4-95FD-977AD1F362C6}"/>
               </a:ext>
             </a:extLst>
           </p:cNvPr>
@@ -7007,18 +6988,17 @@
           <a:lstStyle/>
           <a:p>
             <a:r>
-              <a:rPr lang="es-ES" b="1" dirty="0" smtClean="0"/>
+              <a:rPr lang="es-ES" b="1" dirty="0"/>
               <a:t>¿Para qué podemos usar </a:t>
             </a:r>
             <a:r>
-              <a:rPr lang="es-ES" b="1" dirty="0" err="1" smtClean="0"/>
+              <a:rPr lang="es-ES" b="1" dirty="0" err="1"/>
               <a:t>Rastregames</a:t>
             </a:r>
             <a:r>
-              <a:rPr lang="es-ES" b="1" dirty="0" smtClean="0"/>
+              <a:rPr lang="es-ES" b="1" dirty="0"/>
               <a:t>?</a:t>
             </a:r>
-            <a:endParaRPr lang="es-ES" b="1" dirty="0"/>
           </a:p>
         </p:txBody>
       </p:sp>
@@ -7041,15 +7021,7 @@
           <a:p>
             <a:r>
               <a:rPr lang="es-ES" dirty="0"/>
-              <a:t>El principal uso es encontrar dónde comprar un determinado juego </a:t>
-            </a:r>
-            <a:r>
-              <a:rPr lang="es-ES" dirty="0" smtClean="0"/>
-              <a:t>y al precio más barato acorde </a:t>
-            </a:r>
-            <a:r>
-              <a:rPr lang="es-ES" dirty="0"/>
-              <a:t>a tu localización o preferencia por una determinada cadena de tiendas.</a:t>
+              <a:t>El principal uso es encontrar dónde comprar un determinado juego y al precio más barato acorde a tu localización o preferencia por una determinada cadena de tiendas.</a:t>
             </a:r>
           </a:p>
           <a:p>
@@ -7062,13 +7034,8 @@
             <a:pPr lvl="1"/>
             <a:r>
               <a:rPr lang="es-ES" dirty="0"/>
-              <a:t>D</a:t>
-            </a:r>
-            <a:r>
-              <a:rPr lang="es-ES" dirty="0" smtClean="0"/>
-              <a:t>escripción </a:t>
-            </a:r>
-            <a:endParaRPr lang="es-ES" dirty="0"/>
+              <a:t>Descripción </a:t>
+            </a:r>
           </a:p>
           <a:p>
             <a:pPr lvl="1"/>
@@ -7222,10 +7189,9 @@
           <a:lstStyle/>
           <a:p>
             <a:r>
-              <a:rPr lang="es-ES" dirty="0" smtClean="0"/>
+              <a:rPr lang="es-ES" dirty="0"/>
               <a:t>recursos</a:t>
             </a:r>
-            <a:endParaRPr lang="es-ES" dirty="0"/>
           </a:p>
         </p:txBody>
       </p:sp>
@@ -7247,7 +7213,7 @@
           <a:lstStyle/>
           <a:p>
             <a:r>
-              <a:rPr lang="es-ES" sz="2800" u="sng" dirty="0" smtClean="0"/>
+              <a:rPr lang="es-ES" sz="2800" u="sng" dirty="0"/>
               <a:t>Store</a:t>
             </a:r>
           </a:p>
@@ -7256,7 +7222,7 @@
               <a:buNone/>
             </a:pPr>
             <a:r>
-              <a:rPr lang="es-ES" sz="2800" dirty="0" smtClean="0"/>
+              <a:rPr lang="es-ES" sz="2800" dirty="0"/>
               <a:t>	CRUD</a:t>
             </a:r>
           </a:p>
@@ -7265,48 +7231,48 @@
               <a:buNone/>
             </a:pPr>
             <a:r>
-              <a:rPr lang="es-ES" sz="2800" dirty="0" smtClean="0"/>
+              <a:rPr lang="es-ES" sz="2800" dirty="0"/>
               <a:t>	</a:t>
             </a:r>
             <a:r>
-              <a:rPr lang="es-ES" sz="2800" dirty="0" err="1" smtClean="0"/>
+              <a:rPr lang="es-ES" sz="2800" dirty="0" err="1"/>
               <a:t>getCheapestGamesInArea</a:t>
             </a:r>
-            <a:endParaRPr lang="es-ES" sz="2800" dirty="0" smtClean="0"/>
+            <a:endParaRPr lang="es-ES" sz="2800" dirty="0"/>
           </a:p>
           <a:p>
             <a:pPr marL="0" indent="0">
               <a:buNone/>
             </a:pPr>
             <a:r>
-              <a:rPr lang="es-ES" sz="2800" dirty="0" smtClean="0"/>
+              <a:rPr lang="es-ES" sz="2800" dirty="0"/>
               <a:t>	CRUD </a:t>
             </a:r>
             <a:r>
-              <a:rPr lang="es-ES" sz="2800" dirty="0" err="1" smtClean="0"/>
+              <a:rPr lang="es-ES" sz="2800" dirty="0" err="1"/>
               <a:t>StoreGame</a:t>
             </a:r>
-            <a:endParaRPr lang="es-ES" sz="2800" dirty="0" smtClean="0"/>
+            <a:endParaRPr lang="es-ES" sz="2800" dirty="0"/>
           </a:p>
           <a:p>
             <a:pPr marL="0" indent="0">
               <a:buNone/>
             </a:pPr>
             <a:r>
-              <a:rPr lang="es-ES" sz="2800" dirty="0" smtClean="0"/>
+              <a:rPr lang="es-ES" sz="2800" dirty="0"/>
               <a:t>	</a:t>
             </a:r>
             <a:r>
-              <a:rPr lang="es-ES" sz="2800" dirty="0" err="1" smtClean="0"/>
+              <a:rPr lang="es-ES" sz="2800" dirty="0" err="1"/>
               <a:t>getGamesFromStore</a:t>
             </a:r>
-            <a:endParaRPr lang="es-ES" sz="2800" dirty="0" smtClean="0"/>
+            <a:endParaRPr lang="es-ES" sz="2800" dirty="0"/>
           </a:p>
           <a:p>
             <a:pPr marL="0" indent="0">
               <a:buNone/>
             </a:pPr>
-            <a:endParaRPr lang="es-ES" dirty="0" smtClean="0"/>
+            <a:endParaRPr lang="es-ES" dirty="0"/>
           </a:p>
         </p:txBody>
       </p:sp>
@@ -7385,7 +7351,7 @@
               <a:t> es un </a:t>
             </a:r>
             <a:r>
-              <a:rPr lang="es-ES" sz="2800" dirty="0" err="1" smtClean="0"/>
+              <a:rPr lang="es-ES" sz="2800" dirty="0" err="1"/>
               <a:t>Enum</a:t>
             </a:r>
             <a:endParaRPr lang="es-ES" sz="2800" dirty="0"/>
@@ -7438,11 +7404,11 @@
           <a:lstStyle/>
           <a:p>
             <a:r>
-              <a:rPr lang="es-ES" dirty="0" smtClean="0"/>
+              <a:rPr lang="es-ES" dirty="0"/>
               <a:t>Documentación </a:t>
             </a:r>
             <a:r>
-              <a:rPr lang="es-ES" dirty="0" err="1" smtClean="0"/>
+              <a:rPr lang="es-ES" dirty="0" err="1"/>
               <a:t>rastregames</a:t>
             </a:r>
             <a:endParaRPr lang="es-ES" dirty="0"/>
@@ -7470,34 +7436,22 @@
               <a:buNone/>
             </a:pPr>
             <a:r>
-              <a:rPr lang="es-ES" sz="3200" dirty="0" smtClean="0">
+              <a:rPr lang="es-ES" sz="3200" dirty="0">
                 <a:hlinkClick r:id="rId2"/>
               </a:rPr>
-              <a:t>app.swaggerhub.com/</a:t>
-            </a:r>
-            <a:r>
-              <a:rPr lang="es-ES" sz="3200" dirty="0" err="1" smtClean="0">
+              <a:t>api-gamestore.ew.r.appspot.com/</a:t>
+            </a:r>
+            <a:r>
+              <a:rPr lang="es-ES" sz="3200" dirty="0" err="1">
                 <a:hlinkClick r:id="rId2"/>
               </a:rPr>
-              <a:t>apis</a:t>
-            </a:r>
-            <a:r>
-              <a:rPr lang="es-ES" sz="3200" dirty="0" smtClean="0">
+              <a:t>docs</a:t>
+            </a:r>
+            <a:r>
+              <a:rPr lang="es-ES" sz="3200" dirty="0">
                 <a:hlinkClick r:id="rId2"/>
               </a:rPr>
-              <a:t>/jaortiz1/</a:t>
-            </a:r>
-            <a:r>
-              <a:rPr lang="es-ES" sz="3200" dirty="0" err="1" smtClean="0">
-                <a:hlinkClick r:id="rId2"/>
-              </a:rPr>
-              <a:t>RastreGames</a:t>
-            </a:r>
-            <a:r>
-              <a:rPr lang="es-ES" sz="3200" dirty="0" smtClean="0">
-                <a:hlinkClick r:id="rId2"/>
-              </a:rPr>
-              <a:t>/1.0.0</a:t>
+              <a:t>/index.html</a:t>
             </a:r>
             <a:endParaRPr lang="es-ES" sz="3200" dirty="0"/>
           </a:p>
@@ -7533,88 +7487,12 @@
           <a:chExt cx="0" cy="0"/>
         </a:xfrm>
       </p:grpSpPr>
-      <p:sp>
-        <p:nvSpPr>
-          <p:cNvPr id="2" name="Título 1"/>
-          <p:cNvSpPr>
-            <a:spLocks noGrp="1"/>
-          </p:cNvSpPr>
-          <p:nvPr>
-            <p:ph type="title"/>
-          </p:nvPr>
-        </p:nvSpPr>
-        <p:spPr/>
-        <p:txBody>
-          <a:bodyPr/>
-          <a:lstStyle/>
-          <a:p>
-            <a:r>
-              <a:rPr lang="es-ES" dirty="0" smtClean="0"/>
-              <a:t>Algunos ejemplos del uso de </a:t>
-            </a:r>
-            <a:r>
-              <a:rPr lang="es-ES" dirty="0" err="1" smtClean="0"/>
-              <a:t>RastreGAMES</a:t>
-            </a:r>
-            <a:endParaRPr lang="es-ES" dirty="0"/>
-          </a:p>
-        </p:txBody>
-      </p:sp>
-      <p:sp>
-        <p:nvSpPr>
-          <p:cNvPr id="3" name="Marcador de contenido 2"/>
-          <p:cNvSpPr>
-            <a:spLocks noGrp="1"/>
-          </p:cNvSpPr>
-          <p:nvPr>
-            <p:ph idx="1"/>
-          </p:nvPr>
-        </p:nvSpPr>
-        <p:spPr/>
-        <p:txBody>
-          <a:bodyPr/>
-          <a:lstStyle/>
-          <a:p>
-            <a:endParaRPr lang="es-ES"/>
-          </a:p>
-        </p:txBody>
-      </p:sp>
-    </p:spTree>
-    <p:extLst>
-      <p:ext uri="{BB962C8B-B14F-4D97-AF65-F5344CB8AC3E}">
-        <p14:creationId xmlns:p14="http://schemas.microsoft.com/office/powerpoint/2010/main" val="2533355725"/>
-      </p:ext>
-    </p:extLst>
-  </p:cSld>
-  <p:clrMapOvr>
-    <a:masterClrMapping/>
-  </p:clrMapOvr>
-</p:sld>
-</file>
-
-<file path=ppt/slides/slide7.xml><?xml version="1.0" encoding="utf-8"?>
-<p:sld xmlns:a="http://schemas.openxmlformats.org/drawingml/2006/main" xmlns:r="http://schemas.openxmlformats.org/officeDocument/2006/relationships" xmlns:p="http://schemas.openxmlformats.org/presentationml/2006/main">
-  <p:cSld>
-    <p:spTree>
-      <p:nvGrpSpPr>
-        <p:cNvPr id="1" name=""/>
-        <p:cNvGrpSpPr/>
-        <p:nvPr/>
-      </p:nvGrpSpPr>
-      <p:grpSpPr>
-        <a:xfrm>
-          <a:off x="0" y="0"/>
-          <a:ext cx="0" cy="0"/>
-          <a:chOff x="0" y="0"/>
-          <a:chExt cx="0" cy="0"/>
-        </a:xfrm>
-      </p:grpSpPr>
       <p:pic>
         <p:nvPicPr>
           <p:cNvPr id="5" name="Imagen 4" descr="puntos de luz">
             <a:extLst>
               <a:ext uri="{FF2B5EF4-FFF2-40B4-BE49-F238E27FC236}">
-                <a16:creationId xmlns:a16="http://schemas.microsoft.com/office/drawing/2014/main" xmlns="" id="{20A520D0-11CF-4639-8537-F56A8A2FDCFD}"/>
+                <a16:creationId xmlns:a16="http://schemas.microsoft.com/office/drawing/2014/main" id="{20A520D0-11CF-4639-8537-F56A8A2FDCFD}"/>
               </a:ext>
             </a:extLst>
           </p:cNvPr>
@@ -7650,7 +7528,7 @@
           <p:cNvPr id="2" name="Título 1">
             <a:extLst>
               <a:ext uri="{FF2B5EF4-FFF2-40B4-BE49-F238E27FC236}">
-                <a16:creationId xmlns:a16="http://schemas.microsoft.com/office/drawing/2014/main" xmlns="" id="{D44BCB7C-A6FC-4118-9027-468ECFDE6455}"/>
+                <a16:creationId xmlns:a16="http://schemas.microsoft.com/office/drawing/2014/main" id="{D44BCB7C-A6FC-4118-9027-468ECFDE6455}"/>
               </a:ext>
             </a:extLst>
           </p:cNvPr>
@@ -7686,7 +7564,7 @@
           <p:cNvPr id="3" name="Subtítulo 2">
             <a:extLst>
               <a:ext uri="{FF2B5EF4-FFF2-40B4-BE49-F238E27FC236}">
-                <a16:creationId xmlns:a16="http://schemas.microsoft.com/office/drawing/2014/main" xmlns="" id="{4B64FA72-B055-4AE3-A6FD-8071BD687CBE}"/>
+                <a16:creationId xmlns:a16="http://schemas.microsoft.com/office/drawing/2014/main" id="{4B64FA72-B055-4AE3-A6FD-8071BD687CBE}"/>
               </a:ext>
             </a:extLst>
           </p:cNvPr>
@@ -8574,6 +8452,23 @@
 </file>
 
 <file path=customXml/item1.xml><?xml version="1.0" encoding="utf-8"?>
+<?mso-contentType ?>
+<FormTemplates xmlns="http://schemas.microsoft.com/sharepoint/v3/contenttype/forms">
+  <Display>DocumentLibraryForm</Display>
+  <Edit>DocumentLibraryForm</Edit>
+  <New>DocumentLibraryForm</New>
+</FormTemplates>
+</file>
+
+<file path=customXml/item2.xml><?xml version="1.0" encoding="utf-8"?>
+<p:properties xmlns:p="http://schemas.microsoft.com/office/2006/metadata/properties" xmlns:xsi="http://www.w3.org/2001/XMLSchema-instance" xmlns:pc="http://schemas.microsoft.com/office/infopath/2007/PartnerControls">
+  <documentManagement>
+    <MediaServiceKeyPoints xmlns="71af3243-3dd4-4a8d-8c0d-dd76da1f02a5" xsi:nil="true"/>
+  </documentManagement>
+</p:properties>
+</file>
+
+<file path=customXml/item3.xml><?xml version="1.0" encoding="utf-8"?>
 <ct:contentTypeSchema xmlns:ct="http://schemas.microsoft.com/office/2006/metadata/contentType" xmlns:ma="http://schemas.microsoft.com/office/2006/metadata/properties/metaAttributes" ct:_="" ma:_="" ma:contentTypeName="Document" ma:contentTypeID="0x01010079F111ED35F8CC479449609E8A0923A6" ma:contentTypeVersion="11" ma:contentTypeDescription="Create a new document." ma:contentTypeScope="" ma:versionID="1c2eb7a32e66fb6e4260f3771546a5e2">
   <xsd:schema xmlns:xsd="http://www.w3.org/2001/XMLSchema" xmlns:xs="http://www.w3.org/2001/XMLSchema" xmlns:p="http://schemas.microsoft.com/office/2006/metadata/properties" xmlns:ns2="71af3243-3dd4-4a8d-8c0d-dd76da1f02a5" xmlns:ns3="16c05727-aa75-4e4a-9b5f-8a80a1165891" targetNamespace="http://schemas.microsoft.com/office/2006/metadata/properties" ma:root="true" ma:fieldsID="04e1f6479c48b08974ba73b5ca973489" ns2:_="" ns3:_="">
     <xsd:import namespace="71af3243-3dd4-4a8d-8c0d-dd76da1f02a5"/>
@@ -8784,24 +8679,25 @@
 </ct:contentTypeSchema>
 </file>
 
-<file path=customXml/item2.xml><?xml version="1.0" encoding="utf-8"?>
-<p:properties xmlns:p="http://schemas.microsoft.com/office/2006/metadata/properties" xmlns:xsi="http://www.w3.org/2001/XMLSchema-instance" xmlns:pc="http://schemas.microsoft.com/office/infopath/2007/PartnerControls">
-  <documentManagement>
-    <MediaServiceKeyPoints xmlns="71af3243-3dd4-4a8d-8c0d-dd76da1f02a5" xsi:nil="true"/>
-  </documentManagement>
-</p:properties>
+<file path=customXml/itemProps1.xml><?xml version="1.0" encoding="utf-8"?>
+<ds:datastoreItem xmlns:ds="http://schemas.openxmlformats.org/officeDocument/2006/customXml" ds:itemID="{E0F1DF1E-36E3-406C-8CF7-DB13BB647087}">
+  <ds:schemaRefs>
+    <ds:schemaRef ds:uri="http://schemas.microsoft.com/sharepoint/v3/contenttype/forms"/>
+  </ds:schemaRefs>
+</ds:datastoreItem>
 </file>
 
-<file path=customXml/item3.xml><?xml version="1.0" encoding="utf-8"?>
-<?mso-contentType ?>
-<FormTemplates xmlns="http://schemas.microsoft.com/sharepoint/v3/contenttype/forms">
-  <Display>DocumentLibraryForm</Display>
-  <Edit>DocumentLibraryForm</Edit>
-  <New>DocumentLibraryForm</New>
-</FormTemplates>
+<file path=customXml/itemProps2.xml><?xml version="1.0" encoding="utf-8"?>
+<ds:datastoreItem xmlns:ds="http://schemas.openxmlformats.org/officeDocument/2006/customXml" ds:itemID="{B85274BF-C111-4B7A-8D90-F7666D37C131}">
+  <ds:schemaRefs>
+    <ds:schemaRef ds:uri="http://schemas.microsoft.com/office/2006/metadata/properties"/>
+    <ds:schemaRef ds:uri="http://schemas.microsoft.com/office/infopath/2007/PartnerControls"/>
+    <ds:schemaRef ds:uri="71af3243-3dd4-4a8d-8c0d-dd76da1f02a5"/>
+  </ds:schemaRefs>
+</ds:datastoreItem>
 </file>
 
-<file path=customXml/itemProps1.xml><?xml version="1.0" encoding="utf-8"?>
+<file path=customXml/itemProps3.xml><?xml version="1.0" encoding="utf-8"?>
 <ds:datastoreItem xmlns:ds="http://schemas.openxmlformats.org/officeDocument/2006/customXml" ds:itemID="{9310845B-7F19-4A9A-BEE4-BEF0501E1A55}">
   <ds:schemaRefs>
     <ds:schemaRef ds:uri="http://schemas.microsoft.com/office/2006/metadata/contentType"/>
@@ -8818,22 +8714,4 @@
     <ds:schemaRef ds:uri="http://schemas.microsoft.com/internal/obd"/>
   </ds:schemaRefs>
 </ds:datastoreItem>
-</file>
-
-<file path=customXml/itemProps2.xml><?xml version="1.0" encoding="utf-8"?>
-<ds:datastoreItem xmlns:ds="http://schemas.openxmlformats.org/officeDocument/2006/customXml" ds:itemID="{B85274BF-C111-4B7A-8D90-F7666D37C131}">
-  <ds:schemaRefs>
-    <ds:schemaRef ds:uri="http://schemas.microsoft.com/office/2006/metadata/properties"/>
-    <ds:schemaRef ds:uri="http://schemas.microsoft.com/office/infopath/2007/PartnerControls"/>
-    <ds:schemaRef ds:uri="71af3243-3dd4-4a8d-8c0d-dd76da1f02a5"/>
-  </ds:schemaRefs>
-</ds:datastoreItem>
-</file>
-
-<file path=customXml/itemProps3.xml><?xml version="1.0" encoding="utf-8"?>
-<ds:datastoreItem xmlns:ds="http://schemas.openxmlformats.org/officeDocument/2006/customXml" ds:itemID="{E0F1DF1E-36E3-406C-8CF7-DB13BB647087}">
-  <ds:schemaRefs>
-    <ds:schemaRef ds:uri="http://schemas.microsoft.com/sharepoint/v3/contenttype/forms"/>
-  </ds:schemaRefs>
-</ds:datastoreItem>
 </file>